--- a/Dokumente/Coaching/2016-11-09 Präsentation Technologiemanager.pptx
+++ b/Dokumente/Coaching/2016-11-09 Präsentation Technologiemanager.pptx
@@ -4676,7 +4676,7 @@
             </a:pPr>
             <a:r>
               <a:rPr lang="de-DE" dirty="0"/>
-              <a:t>Smartphones und Tablets auf denen Android 4.4 oder höher läuft</a:t>
+              <a:t>Smartphones (auch lauffähig auf Tablets) auf denen Android 4.4 oder höher läuft</a:t>
             </a:r>
           </a:p>
           <a:p>
@@ -4719,17 +4719,7 @@
             </a:pPr>
             <a:r>
               <a:rPr lang="de-DE" dirty="0"/>
-              <a:t>Apache als Webserver für Admin-Interface</a:t>
-            </a:r>
-          </a:p>
-          <a:p>
-            <a:pPr marL="342900" indent="-342900">
-              <a:buFont typeface="Arial" panose="020B0604020202020204" pitchFamily="34" charset="0"/>
-              <a:buChar char="•"/>
-            </a:pPr>
-            <a:r>
-              <a:rPr lang="de-DE" dirty="0"/>
-              <a:t>Betriebssystem: eine Linux-Distribution, wahrscheinlich Debian</a:t>
+              <a:t>Betriebssystem: Linux-Distribution</a:t>
             </a:r>
           </a:p>
         </p:txBody>
@@ -4919,6 +4909,50 @@
             </a:r>
           </a:p>
           <a:p>
+            <a:endParaRPr lang="de-DE" dirty="0"/>
+          </a:p>
+          <a:p>
+            <a:pPr marL="342900" indent="-342900">
+              <a:buFont typeface="Arial" panose="020B0604020202020204" pitchFamily="34" charset="0"/>
+              <a:buChar char="•"/>
+            </a:pPr>
+            <a:r>
+              <a:rPr lang="de-DE" dirty="0" err="1"/>
+              <a:t>Eclipse</a:t>
+            </a:r>
+            <a:r>
+              <a:rPr lang="de-DE" dirty="0"/>
+              <a:t> oder </a:t>
+            </a:r>
+            <a:r>
+              <a:rPr lang="de-DE" dirty="0" err="1"/>
+              <a:t>IntelliJ</a:t>
+            </a:r>
+            <a:r>
+              <a:rPr lang="de-DE" dirty="0"/>
+              <a:t> als Entwicklungsumgebung für Server</a:t>
+            </a:r>
+          </a:p>
+          <a:p>
+            <a:pPr marL="342900" indent="-342900">
+              <a:buFont typeface="Arial" panose="020B0604020202020204" pitchFamily="34" charset="0"/>
+              <a:buChar char="•"/>
+            </a:pPr>
+            <a:r>
+              <a:rPr lang="de-DE" dirty="0" err="1"/>
+              <a:t>Maven</a:t>
+            </a:r>
+            <a:r>
+              <a:rPr lang="de-DE" dirty="0"/>
+              <a:t> als </a:t>
+            </a:r>
+            <a:r>
+              <a:rPr lang="de-DE" dirty="0" err="1"/>
+              <a:t>Buildmanager</a:t>
+            </a:r>
+            <a:endParaRPr lang="de-DE" dirty="0"/>
+          </a:p>
+          <a:p>
             <a:pPr marL="342900" indent="-342900">
               <a:buFont typeface="Arial" panose="020B0604020202020204" pitchFamily="34" charset="0"/>
               <a:buChar char="•"/>
@@ -4932,20 +4966,17 @@
             </a:pPr>
             <a:r>
               <a:rPr lang="de-DE" dirty="0" err="1"/>
-              <a:t>Eclipse</a:t>
+              <a:t>Codesharing</a:t>
             </a:r>
             <a:r>
               <a:rPr lang="de-DE" dirty="0"/>
-              <a:t> oder </a:t>
+              <a:t> über </a:t>
             </a:r>
             <a:r>
               <a:rPr lang="de-DE" dirty="0" err="1"/>
-              <a:t>IntelliJ</a:t>
-            </a:r>
-            <a:r>
-              <a:rPr lang="de-DE" dirty="0"/>
-              <a:t> als Entwicklungsumgebung für Server</a:t>
-            </a:r>
+              <a:t>GitHub</a:t>
+            </a:r>
+            <a:endParaRPr lang="de-DE" dirty="0"/>
           </a:p>
           <a:p>
             <a:pPr marL="342900" indent="-342900">
@@ -5062,8 +5093,13 @@
             </a:pPr>
             <a:r>
               <a:rPr lang="de-DE" sz="2000" dirty="0"/>
-              <a:t>REST-Service</a:t>
-            </a:r>
+              <a:t>REST-Service über Jersey und </a:t>
+            </a:r>
+            <a:r>
+              <a:rPr lang="de-DE" sz="2000" dirty="0" err="1"/>
+              <a:t>Grizzly</a:t>
+            </a:r>
+            <a:endParaRPr lang="de-DE" sz="2000" dirty="0"/>
           </a:p>
           <a:p>
             <a:pPr marL="342900" indent="-342900">
@@ -5071,8 +5107,12 @@
               <a:buChar char="•"/>
             </a:pPr>
             <a:r>
+              <a:rPr lang="de-DE" sz="2000" dirty="0" err="1"/>
+              <a:t>SQLite</a:t>
+            </a:r>
+            <a:r>
               <a:rPr lang="de-DE" sz="2000" dirty="0"/>
-              <a:t>MySQL Datenbank</a:t>
+              <a:t> Datenbank</a:t>
             </a:r>
           </a:p>
           <a:p>

--- a/Dokumente/Coaching/2016-11-09 Präsentation Technologiemanager.pptx
+++ b/Dokumente/Coaching/2016-11-09 Präsentation Technologiemanager.pptx
@@ -5,10 +5,10 @@
     <p:sldMasterId id="2147483717" r:id="rId1"/>
   </p:sldMasterIdLst>
   <p:notesMasterIdLst>
-    <p:notesMasterId r:id="rId11"/>
+    <p:notesMasterId r:id="rId16"/>
   </p:notesMasterIdLst>
   <p:handoutMasterIdLst>
-    <p:handoutMasterId r:id="rId12"/>
+    <p:handoutMasterId r:id="rId17"/>
   </p:handoutMasterIdLst>
   <p:sldIdLst>
     <p:sldId id="256" r:id="rId2"/>
@@ -19,7 +19,12 @@
     <p:sldId id="264" r:id="rId7"/>
     <p:sldId id="265" r:id="rId8"/>
     <p:sldId id="266" r:id="rId9"/>
-    <p:sldId id="258" r:id="rId10"/>
+    <p:sldId id="267" r:id="rId10"/>
+    <p:sldId id="268" r:id="rId11"/>
+    <p:sldId id="269" r:id="rId12"/>
+    <p:sldId id="270" r:id="rId13"/>
+    <p:sldId id="271" r:id="rId14"/>
+    <p:sldId id="258" r:id="rId15"/>
   </p:sldIdLst>
   <p:sldSz cx="9144000" cy="6858000" type="screen4x3"/>
   <p:notesSz cx="6797675" cy="9926638"/>
@@ -257,7 +262,7 @@
               <a:pPr>
                 <a:defRPr/>
               </a:pPr>
-              <a:t>07.11.2016</a:t>
+              <a:t>08.11.2016</a:t>
             </a:fld>
             <a:endParaRPr lang="de-DE"/>
           </a:p>
@@ -448,7 +453,7 @@
               <a:pPr>
                 <a:defRPr/>
               </a:pPr>
-              <a:t>07.11.2016</a:t>
+              <a:t>08.11.2016</a:t>
             </a:fld>
             <a:endParaRPr lang="de-DE"/>
           </a:p>
@@ -1243,7 +1248,7 @@
             <a:fld id="{ED871FDE-98E2-4CD5-864C-48A93DCB4584}" type="slidenum">
               <a:rPr lang="de-DE" altLang="de-DE"/>
               <a:pPr eaLnBrk="1" hangingPunct="1"/>
-              <a:t>9</a:t>
+              <a:t>14</a:t>
             </a:fld>
             <a:endParaRPr lang="de-DE" altLang="de-DE"/>
           </a:p>
@@ -1858,7 +1863,7 @@
                 <a:latin typeface="Verdana" panose="020B0604030504040204" pitchFamily="34" charset="0"/>
               </a:rPr>
               <a:pPr eaLnBrk="1" hangingPunct="1"/>
-              <a:t>7. November 2016</a:t>
+              <a:t>8. November 2016</a:t>
             </a:fld>
             <a:r>
               <a:rPr lang="de-DE" altLang="de-DE" sz="800">
@@ -2324,7 +2329,7 @@
                 <a:latin typeface="Verdana" panose="020B0604030504040204" pitchFamily="34" charset="0"/>
               </a:rPr>
               <a:pPr eaLnBrk="1" hangingPunct="1"/>
-              <a:t>7. November 2016</a:t>
+              <a:t>8. November 2016</a:t>
             </a:fld>
             <a:r>
               <a:rPr lang="de-DE" altLang="de-DE" sz="800">
@@ -2819,7 +2824,7 @@
                 <a:latin typeface="Verdana" panose="020B0604030504040204" pitchFamily="34" charset="0"/>
               </a:rPr>
               <a:pPr eaLnBrk="1" hangingPunct="1"/>
-              <a:t>7. November 2016</a:t>
+              <a:t>8. November 2016</a:t>
             </a:fld>
             <a:r>
               <a:rPr lang="de-DE" altLang="de-DE" sz="800">
@@ -3562,7 +3567,7 @@
               <a:pPr>
                 <a:defRPr/>
               </a:pPr>
-              <a:t>7. November 2016</a:t>
+              <a:t>8. November 2016</a:t>
             </a:fld>
             <a:endParaRPr lang="de-DE" dirty="0"/>
           </a:p>
@@ -4312,6 +4317,933 @@
 </p:sld>
 </file>
 
+<file path=ppt/slides/slide10.xml><?xml version="1.0" encoding="utf-8"?>
+<p:sld xmlns:a="http://schemas.openxmlformats.org/drawingml/2006/main" xmlns:r="http://schemas.openxmlformats.org/officeDocument/2006/relationships" xmlns:p="http://schemas.openxmlformats.org/presentationml/2006/main">
+  <p:cSld>
+    <p:spTree>
+      <p:nvGrpSpPr>
+        <p:cNvPr id="1" name=""/>
+        <p:cNvGrpSpPr/>
+        <p:nvPr/>
+      </p:nvGrpSpPr>
+      <p:grpSpPr>
+        <a:xfrm>
+          <a:off x="0" y="0"/>
+          <a:ext cx="0" cy="0"/>
+          <a:chOff x="0" y="0"/>
+          <a:chExt cx="0" cy="0"/>
+        </a:xfrm>
+      </p:grpSpPr>
+      <p:sp>
+        <p:nvSpPr>
+          <p:cNvPr id="4" name="Titel 3"/>
+          <p:cNvSpPr>
+            <a:spLocks noGrp="1"/>
+          </p:cNvSpPr>
+          <p:nvPr>
+            <p:ph type="title"/>
+          </p:nvPr>
+        </p:nvSpPr>
+        <p:spPr/>
+        <p:txBody>
+          <a:bodyPr/>
+          <a:lstStyle/>
+          <a:p>
+            <a:r>
+              <a:rPr lang="de-DE" dirty="0">
+                <a:solidFill>
+                  <a:schemeClr val="accent1"/>
+                </a:solidFill>
+              </a:rPr>
+              <a:t>Gründe</a:t>
+            </a:r>
+            <a:br>
+              <a:rPr lang="de-DE" dirty="0">
+                <a:solidFill>
+                  <a:schemeClr val="accent1"/>
+                </a:solidFill>
+              </a:rPr>
+            </a:br>
+            <a:r>
+              <a:rPr lang="de-DE" sz="1800" dirty="0"/>
+              <a:t>Ziele</a:t>
+            </a:r>
+            <a:endParaRPr lang="de-DE" dirty="0">
+              <a:solidFill>
+                <a:schemeClr val="accent1"/>
+              </a:solidFill>
+            </a:endParaRPr>
+          </a:p>
+        </p:txBody>
+      </p:sp>
+      <p:sp>
+        <p:nvSpPr>
+          <p:cNvPr id="5" name="Inhaltsplatzhalter 4"/>
+          <p:cNvSpPr>
+            <a:spLocks noGrp="1"/>
+          </p:cNvSpPr>
+          <p:nvPr>
+            <p:ph idx="1"/>
+          </p:nvPr>
+        </p:nvSpPr>
+        <p:spPr/>
+        <p:txBody>
+          <a:bodyPr/>
+          <a:lstStyle/>
+          <a:p>
+            <a:r>
+              <a:rPr lang="de-DE" dirty="0"/>
+              <a:t>Android</a:t>
+            </a:r>
+          </a:p>
+          <a:p>
+            <a:pPr marL="342900" indent="-342900">
+              <a:buFont typeface="Arial" panose="020B0604020202020204" pitchFamily="34" charset="0"/>
+              <a:buChar char="•"/>
+            </a:pPr>
+            <a:r>
+              <a:rPr lang="de-DE" sz="2000" dirty="0"/>
+              <a:t>4.4 – 70% Abdeckung (ausreichend für Kunden)</a:t>
+            </a:r>
+          </a:p>
+          <a:p>
+            <a:pPr marL="1066800" lvl="2" indent="-342900">
+              <a:buFont typeface="Arial" panose="020B0604020202020204" pitchFamily="34" charset="0"/>
+              <a:buChar char="•"/>
+            </a:pPr>
+            <a:r>
+              <a:rPr lang="de-DE" sz="2000" dirty="0"/>
+              <a:t>Viele neue API Funktionen</a:t>
+            </a:r>
+          </a:p>
+          <a:p>
+            <a:pPr marL="1066800" lvl="2" indent="-342900">
+              <a:buFont typeface="Arial" panose="020B0604020202020204" pitchFamily="34" charset="0"/>
+              <a:buChar char="•"/>
+            </a:pPr>
+            <a:endParaRPr lang="de-DE" sz="2000" dirty="0"/>
+          </a:p>
+          <a:p>
+            <a:r>
+              <a:rPr lang="de-DE" dirty="0"/>
+              <a:t>Java</a:t>
+            </a:r>
+          </a:p>
+          <a:p>
+            <a:pPr marL="342900" indent="-342900">
+              <a:buFont typeface="Arial" panose="020B0604020202020204" pitchFamily="34" charset="0"/>
+              <a:buChar char="•"/>
+            </a:pPr>
+            <a:r>
+              <a:rPr lang="de-DE" sz="2000" dirty="0"/>
+              <a:t>Plattformunabhängig (einfacher zum Programmieren)</a:t>
+            </a:r>
+          </a:p>
+          <a:p>
+            <a:pPr marL="342900" indent="-342900">
+              <a:buFont typeface="Arial" panose="020B0604020202020204" pitchFamily="34" charset="0"/>
+              <a:buChar char="•"/>
+            </a:pPr>
+            <a:r>
+              <a:rPr lang="de-DE" sz="2000" dirty="0"/>
+              <a:t>Viele </a:t>
+            </a:r>
+            <a:r>
+              <a:rPr lang="de-DE" sz="2000"/>
+              <a:t>frei verfügbaren </a:t>
+            </a:r>
+            <a:r>
+              <a:rPr lang="de-DE" sz="2000" dirty="0"/>
+              <a:t>Bibliotheken für unseren Anwendungsfall</a:t>
+            </a:r>
+          </a:p>
+          <a:p>
+            <a:pPr marL="342900" indent="-342900">
+              <a:buFont typeface="Arial" panose="020B0604020202020204" pitchFamily="34" charset="0"/>
+              <a:buChar char="•"/>
+            </a:pPr>
+            <a:r>
+              <a:rPr lang="de-DE" sz="2000" dirty="0"/>
+              <a:t>Allen bekannt</a:t>
+            </a:r>
+          </a:p>
+          <a:p>
+            <a:pPr marL="342900" indent="-342900">
+              <a:buFont typeface="Arial" panose="020B0604020202020204" pitchFamily="34" charset="0"/>
+              <a:buChar char="•"/>
+            </a:pPr>
+            <a:endParaRPr lang="de-DE" sz="2000" dirty="0"/>
+          </a:p>
+          <a:p>
+            <a:endParaRPr lang="de-DE" sz="2000" dirty="0"/>
+          </a:p>
+        </p:txBody>
+      </p:sp>
+    </p:spTree>
+    <p:extLst>
+      <p:ext uri="{BB962C8B-B14F-4D97-AF65-F5344CB8AC3E}">
+        <p14:creationId xmlns:p14="http://schemas.microsoft.com/office/powerpoint/2010/main" val="658731317"/>
+      </p:ext>
+    </p:extLst>
+  </p:cSld>
+  <p:clrMapOvr>
+    <a:masterClrMapping/>
+  </p:clrMapOvr>
+</p:sld>
+</file>
+
+<file path=ppt/slides/slide11.xml><?xml version="1.0" encoding="utf-8"?>
+<p:sld xmlns:a="http://schemas.openxmlformats.org/drawingml/2006/main" xmlns:r="http://schemas.openxmlformats.org/officeDocument/2006/relationships" xmlns:p="http://schemas.openxmlformats.org/presentationml/2006/main">
+  <p:cSld>
+    <p:spTree>
+      <p:nvGrpSpPr>
+        <p:cNvPr id="1" name=""/>
+        <p:cNvGrpSpPr/>
+        <p:nvPr/>
+      </p:nvGrpSpPr>
+      <p:grpSpPr>
+        <a:xfrm>
+          <a:off x="0" y="0"/>
+          <a:ext cx="0" cy="0"/>
+          <a:chOff x="0" y="0"/>
+          <a:chExt cx="0" cy="0"/>
+        </a:xfrm>
+      </p:grpSpPr>
+      <p:sp>
+        <p:nvSpPr>
+          <p:cNvPr id="2" name="Titel 1"/>
+          <p:cNvSpPr>
+            <a:spLocks noGrp="1"/>
+          </p:cNvSpPr>
+          <p:nvPr>
+            <p:ph type="title"/>
+          </p:nvPr>
+        </p:nvSpPr>
+        <p:spPr/>
+        <p:txBody>
+          <a:bodyPr/>
+          <a:lstStyle/>
+          <a:p>
+            <a:r>
+              <a:rPr lang="de-DE" dirty="0">
+                <a:solidFill>
+                  <a:schemeClr val="accent1"/>
+                </a:solidFill>
+              </a:rPr>
+              <a:t>Gründe</a:t>
+            </a:r>
+            <a:br>
+              <a:rPr lang="de-DE" dirty="0">
+                <a:solidFill>
+                  <a:schemeClr val="accent1"/>
+                </a:solidFill>
+              </a:rPr>
+            </a:br>
+            <a:r>
+              <a:rPr lang="de-DE" sz="1800" dirty="0"/>
+              <a:t>Services</a:t>
+            </a:r>
+            <a:endParaRPr lang="de-DE" dirty="0">
+              <a:solidFill>
+                <a:schemeClr val="accent1"/>
+              </a:solidFill>
+            </a:endParaRPr>
+          </a:p>
+        </p:txBody>
+      </p:sp>
+      <p:sp>
+        <p:nvSpPr>
+          <p:cNvPr id="3" name="Inhaltsplatzhalter 2"/>
+          <p:cNvSpPr>
+            <a:spLocks noGrp="1"/>
+          </p:cNvSpPr>
+          <p:nvPr>
+            <p:ph idx="1"/>
+          </p:nvPr>
+        </p:nvSpPr>
+        <p:spPr/>
+        <p:txBody>
+          <a:bodyPr/>
+          <a:lstStyle/>
+          <a:p>
+            <a:r>
+              <a:rPr lang="de-DE" dirty="0"/>
+              <a:t>Jersey als JAX-RS</a:t>
+            </a:r>
+          </a:p>
+          <a:p>
+            <a:pPr marL="285750" indent="-285750">
+              <a:buFont typeface="Arial" panose="020B0604020202020204" pitchFamily="34" charset="0"/>
+              <a:buChar char="•"/>
+            </a:pPr>
+            <a:r>
+              <a:rPr lang="de-DE" sz="1800" dirty="0"/>
+              <a:t>Gut Dokumentiert</a:t>
+            </a:r>
+          </a:p>
+          <a:p>
+            <a:pPr marL="285750" indent="-285750">
+              <a:buFont typeface="Arial" panose="020B0604020202020204" pitchFamily="34" charset="0"/>
+              <a:buChar char="•"/>
+            </a:pPr>
+            <a:r>
+              <a:rPr lang="de-DE" sz="1800" dirty="0"/>
+              <a:t>Vielen aus anderen Fächern (GPM) bekannt</a:t>
+            </a:r>
+          </a:p>
+          <a:p>
+            <a:pPr marL="285750" indent="-285750">
+              <a:buFont typeface="Arial" panose="020B0604020202020204" pitchFamily="34" charset="0"/>
+              <a:buChar char="•"/>
+            </a:pPr>
+            <a:endParaRPr lang="de-DE" sz="1800" dirty="0"/>
+          </a:p>
+          <a:p>
+            <a:r>
+              <a:rPr lang="de-DE" dirty="0" err="1"/>
+              <a:t>Grizzly</a:t>
+            </a:r>
+            <a:r>
+              <a:rPr lang="de-DE" dirty="0"/>
+              <a:t> als HTTP-Server</a:t>
+            </a:r>
+          </a:p>
+          <a:p>
+            <a:pPr marL="342900" indent="-342900">
+              <a:buFont typeface="Arial" panose="020B0604020202020204" pitchFamily="34" charset="0"/>
+              <a:buChar char="•"/>
+            </a:pPr>
+            <a:r>
+              <a:rPr lang="de-DE" sz="1800" dirty="0"/>
+              <a:t>Arbeitet gut mit Jersey zusammen</a:t>
+            </a:r>
+          </a:p>
+          <a:p>
+            <a:pPr marL="342900" indent="-342900">
+              <a:buFont typeface="Arial" panose="020B0604020202020204" pitchFamily="34" charset="0"/>
+              <a:buChar char="•"/>
+            </a:pPr>
+            <a:r>
+              <a:rPr lang="de-DE" sz="1800" dirty="0"/>
+              <a:t>Keine 2 Baustellen, die man bspw. mit einem zusätzlichen Apache hätte</a:t>
+            </a:r>
+          </a:p>
+          <a:p>
+            <a:pPr marL="342900" indent="-342900">
+              <a:buFont typeface="Arial" panose="020B0604020202020204" pitchFamily="34" charset="0"/>
+              <a:buChar char="•"/>
+            </a:pPr>
+            <a:endParaRPr lang="de-DE" sz="1800" dirty="0"/>
+          </a:p>
+          <a:p>
+            <a:r>
+              <a:rPr lang="de-DE" dirty="0" err="1"/>
+              <a:t>SQLite</a:t>
+            </a:r>
+            <a:endParaRPr lang="de-DE" dirty="0"/>
+          </a:p>
+          <a:p>
+            <a:pPr marL="342900" indent="-342900">
+              <a:buFont typeface="Arial" panose="020B0604020202020204" pitchFamily="34" charset="0"/>
+              <a:buChar char="•"/>
+            </a:pPr>
+            <a:r>
+              <a:rPr lang="de-DE" sz="1800" dirty="0"/>
+              <a:t>Performant und klein</a:t>
+            </a:r>
+          </a:p>
+          <a:p>
+            <a:pPr marL="342900" indent="-342900">
+              <a:buFont typeface="Arial" panose="020B0604020202020204" pitchFamily="34" charset="0"/>
+              <a:buChar char="•"/>
+            </a:pPr>
+            <a:r>
+              <a:rPr lang="de-DE" sz="1800" dirty="0"/>
+              <a:t>SQL ist bekannt</a:t>
+            </a:r>
+          </a:p>
+          <a:p>
+            <a:pPr marL="342900" indent="-342900">
+              <a:buFont typeface="Arial" panose="020B0604020202020204" pitchFamily="34" charset="0"/>
+              <a:buChar char="•"/>
+            </a:pPr>
+            <a:endParaRPr lang="de-DE" sz="1800" dirty="0"/>
+          </a:p>
+        </p:txBody>
+      </p:sp>
+    </p:spTree>
+    <p:extLst>
+      <p:ext uri="{BB962C8B-B14F-4D97-AF65-F5344CB8AC3E}">
+        <p14:creationId xmlns:p14="http://schemas.microsoft.com/office/powerpoint/2010/main" val="1573619467"/>
+      </p:ext>
+    </p:extLst>
+  </p:cSld>
+  <p:clrMapOvr>
+    <a:masterClrMapping/>
+  </p:clrMapOvr>
+</p:sld>
+</file>
+
+<file path=ppt/slides/slide12.xml><?xml version="1.0" encoding="utf-8"?>
+<p:sld xmlns:a="http://schemas.openxmlformats.org/drawingml/2006/main" xmlns:r="http://schemas.openxmlformats.org/officeDocument/2006/relationships" xmlns:p="http://schemas.openxmlformats.org/presentationml/2006/main">
+  <p:cSld>
+    <p:spTree>
+      <p:nvGrpSpPr>
+        <p:cNvPr id="1" name=""/>
+        <p:cNvGrpSpPr/>
+        <p:nvPr/>
+      </p:nvGrpSpPr>
+      <p:grpSpPr>
+        <a:xfrm>
+          <a:off x="0" y="0"/>
+          <a:ext cx="0" cy="0"/>
+          <a:chOff x="0" y="0"/>
+          <a:chExt cx="0" cy="0"/>
+        </a:xfrm>
+      </p:grpSpPr>
+      <p:sp>
+        <p:nvSpPr>
+          <p:cNvPr id="2" name="Titel 1"/>
+          <p:cNvSpPr>
+            <a:spLocks noGrp="1"/>
+          </p:cNvSpPr>
+          <p:nvPr>
+            <p:ph type="title"/>
+          </p:nvPr>
+        </p:nvSpPr>
+        <p:spPr/>
+        <p:txBody>
+          <a:bodyPr/>
+          <a:lstStyle/>
+          <a:p>
+            <a:r>
+              <a:rPr lang="de-DE" dirty="0">
+                <a:solidFill>
+                  <a:schemeClr val="accent1"/>
+                </a:solidFill>
+              </a:rPr>
+              <a:t>Gründe</a:t>
+            </a:r>
+            <a:br>
+              <a:rPr lang="de-DE" dirty="0">
+                <a:solidFill>
+                  <a:schemeClr val="accent1"/>
+                </a:solidFill>
+              </a:rPr>
+            </a:br>
+            <a:r>
+              <a:rPr lang="de-DE" dirty="0"/>
+              <a:t>Services</a:t>
+            </a:r>
+          </a:p>
+        </p:txBody>
+      </p:sp>
+      <p:sp>
+        <p:nvSpPr>
+          <p:cNvPr id="3" name="Inhaltsplatzhalter 2"/>
+          <p:cNvSpPr>
+            <a:spLocks noGrp="1"/>
+          </p:cNvSpPr>
+          <p:nvPr>
+            <p:ph idx="1"/>
+          </p:nvPr>
+        </p:nvSpPr>
+        <p:spPr/>
+        <p:txBody>
+          <a:bodyPr/>
+          <a:lstStyle/>
+          <a:p>
+            <a:r>
+              <a:rPr lang="de-DE" dirty="0"/>
+              <a:t>Android Standard</a:t>
+            </a:r>
+          </a:p>
+          <a:p>
+            <a:pPr marL="342900" indent="-342900">
+              <a:buFont typeface="Arial" panose="020B0604020202020204" pitchFamily="34" charset="0"/>
+              <a:buChar char="•"/>
+            </a:pPr>
+            <a:r>
+              <a:rPr lang="de-DE" sz="2000" dirty="0"/>
+              <a:t>Verringert Dateigröße</a:t>
+            </a:r>
+          </a:p>
+          <a:p>
+            <a:pPr marL="342900" indent="-342900">
+              <a:buFont typeface="Arial" panose="020B0604020202020204" pitchFamily="34" charset="0"/>
+              <a:buChar char="•"/>
+            </a:pPr>
+            <a:r>
+              <a:rPr lang="de-DE" sz="2000" dirty="0"/>
+              <a:t>Weniger Programmieraufwand</a:t>
+            </a:r>
+          </a:p>
+          <a:p>
+            <a:pPr marL="342900" indent="-342900">
+              <a:buFont typeface="Arial" panose="020B0604020202020204" pitchFamily="34" charset="0"/>
+              <a:buChar char="•"/>
+            </a:pPr>
+            <a:endParaRPr lang="de-DE" sz="2000" dirty="0"/>
+          </a:p>
+          <a:p>
+            <a:r>
+              <a:rPr lang="de-DE" dirty="0" err="1"/>
+              <a:t>FireBase</a:t>
+            </a:r>
+            <a:endParaRPr lang="de-DE" dirty="0"/>
+          </a:p>
+          <a:p>
+            <a:pPr marL="342900" indent="-342900">
+              <a:buFont typeface="Arial" panose="020B0604020202020204" pitchFamily="34" charset="0"/>
+              <a:buChar char="•"/>
+            </a:pPr>
+            <a:r>
+              <a:rPr lang="de-DE" sz="1800" dirty="0"/>
+              <a:t>Bietet viele Komfortfunktionen</a:t>
+            </a:r>
+          </a:p>
+          <a:p>
+            <a:pPr marL="1066800" lvl="2" indent="-342900">
+              <a:buFont typeface="Arial" panose="020B0604020202020204" pitchFamily="34" charset="0"/>
+              <a:buChar char="•"/>
+            </a:pPr>
+            <a:r>
+              <a:rPr lang="de-DE" sz="1800" dirty="0"/>
+              <a:t>Beispiel: kleinere Änderungen in der App über </a:t>
+            </a:r>
+            <a:r>
+              <a:rPr lang="de-DE" sz="1800" dirty="0" err="1"/>
+              <a:t>Webconsole</a:t>
+            </a:r>
+            <a:r>
+              <a:rPr lang="de-DE" sz="1800" dirty="0"/>
+              <a:t> und ohne Kompilierung</a:t>
+            </a:r>
+          </a:p>
+          <a:p>
+            <a:pPr marL="342900" indent="-342900">
+              <a:buFont typeface="Arial" panose="020B0604020202020204" pitchFamily="34" charset="0"/>
+              <a:buChar char="•"/>
+            </a:pPr>
+            <a:r>
+              <a:rPr lang="de-DE" sz="1800" dirty="0"/>
+              <a:t>Möglicherweise nicht lauffähig unter 4.4, dann Google </a:t>
+            </a:r>
+            <a:r>
+              <a:rPr lang="de-DE" sz="1800" dirty="0" err="1"/>
+              <a:t>Dev</a:t>
+            </a:r>
+            <a:r>
+              <a:rPr lang="de-DE" sz="1800" dirty="0"/>
+              <a:t> API</a:t>
+            </a:r>
+          </a:p>
+          <a:p>
+            <a:endParaRPr lang="de-DE" dirty="0"/>
+          </a:p>
+          <a:p>
+            <a:r>
+              <a:rPr lang="de-DE" dirty="0"/>
+              <a:t>Logik auf Server</a:t>
+            </a:r>
+          </a:p>
+          <a:p>
+            <a:pPr marL="342900" indent="-342900">
+              <a:buFont typeface="Arial" panose="020B0604020202020204" pitchFamily="34" charset="0"/>
+              <a:buChar char="•"/>
+            </a:pPr>
+            <a:r>
+              <a:rPr lang="de-DE" sz="1800" dirty="0"/>
+              <a:t>Ressourcensparend für ältere und schwache Geräte</a:t>
+            </a:r>
+          </a:p>
+        </p:txBody>
+      </p:sp>
+    </p:spTree>
+    <p:extLst>
+      <p:ext uri="{BB962C8B-B14F-4D97-AF65-F5344CB8AC3E}">
+        <p14:creationId xmlns:p14="http://schemas.microsoft.com/office/powerpoint/2010/main" val="3876735170"/>
+      </p:ext>
+    </p:extLst>
+  </p:cSld>
+  <p:clrMapOvr>
+    <a:masterClrMapping/>
+  </p:clrMapOvr>
+</p:sld>
+</file>
+
+<file path=ppt/slides/slide13.xml><?xml version="1.0" encoding="utf-8"?>
+<p:sld xmlns:a="http://schemas.openxmlformats.org/drawingml/2006/main" xmlns:r="http://schemas.openxmlformats.org/officeDocument/2006/relationships" xmlns:p="http://schemas.openxmlformats.org/presentationml/2006/main">
+  <p:cSld>
+    <p:spTree>
+      <p:nvGrpSpPr>
+        <p:cNvPr id="1" name=""/>
+        <p:cNvGrpSpPr/>
+        <p:nvPr/>
+      </p:nvGrpSpPr>
+      <p:grpSpPr>
+        <a:xfrm>
+          <a:off x="0" y="0"/>
+          <a:ext cx="0" cy="0"/>
+          <a:chOff x="0" y="0"/>
+          <a:chExt cx="0" cy="0"/>
+        </a:xfrm>
+      </p:grpSpPr>
+      <p:sp>
+        <p:nvSpPr>
+          <p:cNvPr id="2" name="Titel 1"/>
+          <p:cNvSpPr>
+            <a:spLocks noGrp="1"/>
+          </p:cNvSpPr>
+          <p:nvPr>
+            <p:ph type="title"/>
+          </p:nvPr>
+        </p:nvSpPr>
+        <p:spPr/>
+        <p:txBody>
+          <a:bodyPr/>
+          <a:lstStyle/>
+          <a:p>
+            <a:r>
+              <a:rPr lang="de-DE" dirty="0">
+                <a:solidFill>
+                  <a:schemeClr val="accent1"/>
+                </a:solidFill>
+              </a:rPr>
+              <a:t>Gründe</a:t>
+            </a:r>
+            <a:br>
+              <a:rPr lang="de-DE" dirty="0">
+                <a:solidFill>
+                  <a:schemeClr val="accent1"/>
+                </a:solidFill>
+              </a:rPr>
+            </a:br>
+            <a:r>
+              <a:rPr lang="de-DE" sz="1800" dirty="0"/>
+              <a:t>Objektübertragung</a:t>
+            </a:r>
+            <a:endParaRPr lang="de-DE" dirty="0">
+              <a:solidFill>
+                <a:schemeClr val="accent1"/>
+              </a:solidFill>
+            </a:endParaRPr>
+          </a:p>
+        </p:txBody>
+      </p:sp>
+      <p:sp>
+        <p:nvSpPr>
+          <p:cNvPr id="3" name="Inhaltsplatzhalter 2"/>
+          <p:cNvSpPr>
+            <a:spLocks noGrp="1"/>
+          </p:cNvSpPr>
+          <p:nvPr>
+            <p:ph idx="1"/>
+          </p:nvPr>
+        </p:nvSpPr>
+        <p:spPr/>
+        <p:txBody>
+          <a:bodyPr/>
+          <a:lstStyle/>
+          <a:p>
+            <a:r>
+              <a:rPr lang="de-DE" dirty="0"/>
+              <a:t>JSON</a:t>
+            </a:r>
+          </a:p>
+          <a:p>
+            <a:pPr marL="342900" indent="-342900">
+              <a:buFont typeface="Arial" panose="020B0604020202020204" pitchFamily="34" charset="0"/>
+              <a:buChar char="•"/>
+            </a:pPr>
+            <a:r>
+              <a:rPr lang="de-DE" sz="1800" dirty="0"/>
+              <a:t>Geringere Übertragungsgröße als bspw. XML dank weniger Overhead</a:t>
+            </a:r>
+          </a:p>
+          <a:p>
+            <a:pPr marL="342900" indent="-342900">
+              <a:buFont typeface="Arial" panose="020B0604020202020204" pitchFamily="34" charset="0"/>
+              <a:buChar char="•"/>
+            </a:pPr>
+            <a:r>
+              <a:rPr lang="de-DE" sz="1800" dirty="0"/>
+              <a:t>Sprachenunabhängig falls sich doch gegen Java entschieden wird</a:t>
+            </a:r>
+          </a:p>
+          <a:p>
+            <a:endParaRPr lang="de-DE" sz="1800" dirty="0"/>
+          </a:p>
+          <a:p>
+            <a:r>
+              <a:rPr lang="de-DE" dirty="0"/>
+              <a:t>GSON</a:t>
+            </a:r>
+          </a:p>
+          <a:p>
+            <a:pPr marL="342900" indent="-342900">
+              <a:buFont typeface="Arial" panose="020B0604020202020204" pitchFamily="34" charset="0"/>
+              <a:buChar char="•"/>
+            </a:pPr>
+            <a:r>
+              <a:rPr lang="de-DE" sz="1800" dirty="0"/>
+              <a:t>Einfach zu bedienen</a:t>
+            </a:r>
+          </a:p>
+          <a:p>
+            <a:pPr marL="342900" indent="-342900">
+              <a:buFont typeface="Arial" panose="020B0604020202020204" pitchFamily="34" charset="0"/>
+              <a:buChar char="•"/>
+            </a:pPr>
+            <a:r>
+              <a:rPr lang="de-DE" sz="1800" dirty="0"/>
+              <a:t>Frei verfügbar</a:t>
+            </a:r>
+          </a:p>
+        </p:txBody>
+      </p:sp>
+    </p:spTree>
+    <p:extLst>
+      <p:ext uri="{BB962C8B-B14F-4D97-AF65-F5344CB8AC3E}">
+        <p14:creationId xmlns:p14="http://schemas.microsoft.com/office/powerpoint/2010/main" val="2561767301"/>
+      </p:ext>
+    </p:extLst>
+  </p:cSld>
+  <p:clrMapOvr>
+    <a:masterClrMapping/>
+  </p:clrMapOvr>
+</p:sld>
+</file>
+
+<file path=ppt/slides/slide14.xml><?xml version="1.0" encoding="utf-8"?>
+<p:sld xmlns:a="http://schemas.openxmlformats.org/drawingml/2006/main" xmlns:r="http://schemas.openxmlformats.org/officeDocument/2006/relationships" xmlns:p="http://schemas.openxmlformats.org/presentationml/2006/main">
+  <p:cSld>
+    <p:spTree>
+      <p:nvGrpSpPr>
+        <p:cNvPr id="1" name=""/>
+        <p:cNvGrpSpPr/>
+        <p:nvPr/>
+      </p:nvGrpSpPr>
+      <p:grpSpPr>
+        <a:xfrm>
+          <a:off x="0" y="0"/>
+          <a:ext cx="0" cy="0"/>
+          <a:chOff x="0" y="0"/>
+          <a:chExt cx="0" cy="0"/>
+        </a:xfrm>
+      </p:grpSpPr>
+      <p:sp>
+        <p:nvSpPr>
+          <p:cNvPr id="11266" name="Titel 5"/>
+          <p:cNvSpPr>
+            <a:spLocks noGrp="1"/>
+          </p:cNvSpPr>
+          <p:nvPr>
+            <p:ph type="ctrTitle"/>
+          </p:nvPr>
+        </p:nvSpPr>
+        <p:spPr>
+          <a:xfrm>
+            <a:off x="287338" y="2016125"/>
+            <a:ext cx="8064500" cy="2519363"/>
+          </a:xfrm>
+        </p:spPr>
+        <p:txBody>
+          <a:bodyPr/>
+          <a:lstStyle/>
+          <a:p>
+            <a:r>
+              <a:rPr lang="de-DE" altLang="de-DE" dirty="0"/>
+              <a:t>FH Aachen </a:t>
+            </a:r>
+            <a:br>
+              <a:rPr lang="de-DE" altLang="de-DE" dirty="0"/>
+            </a:br>
+            <a:r>
+              <a:rPr lang="de-DE" altLang="de-DE" dirty="0"/>
+              <a:t>Fachbereich Elektrotechnik und Informationstechnik</a:t>
+            </a:r>
+            <a:br>
+              <a:rPr lang="de-DE" altLang="de-DE" dirty="0"/>
+            </a:br>
+            <a:br>
+              <a:rPr lang="de-DE" altLang="de-DE" dirty="0"/>
+            </a:br>
+            <a:r>
+              <a:rPr lang="de-DE" altLang="de-DE" dirty="0"/>
+              <a:t>www.fh-aachen.de</a:t>
+            </a:r>
+          </a:p>
+        </p:txBody>
+      </p:sp>
+      <p:sp>
+        <p:nvSpPr>
+          <p:cNvPr id="11267" name="Fußzeilenplatzhalter 3"/>
+          <p:cNvSpPr>
+            <a:spLocks noGrp="1"/>
+          </p:cNvSpPr>
+          <p:nvPr>
+            <p:ph type="ftr" sz="quarter" idx="10"/>
+          </p:nvPr>
+        </p:nvSpPr>
+        <p:spPr bwMode="auto">
+          <a:noFill/>
+          <a:extLst>
+            <a:ext uri="{909E8E84-426E-40DD-AFC4-6F175D3DCCD1}">
+              <a14:hiddenFill xmlns:a14="http://schemas.microsoft.com/office/drawing/2010/main">
+                <a:solidFill>
+                  <a:srgbClr val="FFFFFF"/>
+                </a:solidFill>
+              </a14:hiddenFill>
+            </a:ext>
+            <a:ext uri="{91240B29-F687-4F45-9708-019B960494DF}">
+              <a14:hiddenLine xmlns:a14="http://schemas.microsoft.com/office/drawing/2010/main" w="9525">
+                <a:solidFill>
+                  <a:srgbClr val="000000"/>
+                </a:solidFill>
+                <a:miter lim="800000"/>
+                <a:headEnd/>
+                <a:tailEnd/>
+              </a14:hiddenLine>
+            </a:ext>
+          </a:extLst>
+        </p:spPr>
+        <p:txBody>
+          <a:bodyPr wrap="square" numCol="1" compatLnSpc="1">
+            <a:prstTxWarp prst="textNoShape">
+              <a:avLst/>
+            </a:prstTxWarp>
+          </a:bodyPr>
+          <a:lstStyle>
+            <a:lvl1pPr eaLnBrk="0" hangingPunct="0">
+              <a:defRPr>
+                <a:solidFill>
+                  <a:schemeClr val="tx1"/>
+                </a:solidFill>
+                <a:latin typeface="Arial" panose="020B0604020202020204" pitchFamily="34" charset="0"/>
+              </a:defRPr>
+            </a:lvl1pPr>
+            <a:lvl2pPr marL="742950" indent="-285750" eaLnBrk="0" hangingPunct="0">
+              <a:defRPr>
+                <a:solidFill>
+                  <a:schemeClr val="tx1"/>
+                </a:solidFill>
+                <a:latin typeface="Arial" panose="020B0604020202020204" pitchFamily="34" charset="0"/>
+              </a:defRPr>
+            </a:lvl2pPr>
+            <a:lvl3pPr marL="1143000" indent="-228600" eaLnBrk="0" hangingPunct="0">
+              <a:defRPr>
+                <a:solidFill>
+                  <a:schemeClr val="tx1"/>
+                </a:solidFill>
+                <a:latin typeface="Arial" panose="020B0604020202020204" pitchFamily="34" charset="0"/>
+              </a:defRPr>
+            </a:lvl3pPr>
+            <a:lvl4pPr marL="1600200" indent="-228600" eaLnBrk="0" hangingPunct="0">
+              <a:defRPr>
+                <a:solidFill>
+                  <a:schemeClr val="tx1"/>
+                </a:solidFill>
+                <a:latin typeface="Arial" panose="020B0604020202020204" pitchFamily="34" charset="0"/>
+              </a:defRPr>
+            </a:lvl4pPr>
+            <a:lvl5pPr marL="2057400" indent="-228600" eaLnBrk="0" hangingPunct="0">
+              <a:defRPr>
+                <a:solidFill>
+                  <a:schemeClr val="tx1"/>
+                </a:solidFill>
+                <a:latin typeface="Arial" panose="020B0604020202020204" pitchFamily="34" charset="0"/>
+              </a:defRPr>
+            </a:lvl5pPr>
+            <a:lvl6pPr marL="2514600" indent="-228600" eaLnBrk="0" fontAlgn="base" hangingPunct="0">
+              <a:spcBef>
+                <a:spcPct val="0"/>
+              </a:spcBef>
+              <a:spcAft>
+                <a:spcPct val="0"/>
+              </a:spcAft>
+              <a:defRPr>
+                <a:solidFill>
+                  <a:schemeClr val="tx1"/>
+                </a:solidFill>
+                <a:latin typeface="Arial" panose="020B0604020202020204" pitchFamily="34" charset="0"/>
+              </a:defRPr>
+            </a:lvl6pPr>
+            <a:lvl7pPr marL="2971800" indent="-228600" eaLnBrk="0" fontAlgn="base" hangingPunct="0">
+              <a:spcBef>
+                <a:spcPct val="0"/>
+              </a:spcBef>
+              <a:spcAft>
+                <a:spcPct val="0"/>
+              </a:spcAft>
+              <a:defRPr>
+                <a:solidFill>
+                  <a:schemeClr val="tx1"/>
+                </a:solidFill>
+                <a:latin typeface="Arial" panose="020B0604020202020204" pitchFamily="34" charset="0"/>
+              </a:defRPr>
+            </a:lvl7pPr>
+            <a:lvl8pPr marL="3429000" indent="-228600" eaLnBrk="0" fontAlgn="base" hangingPunct="0">
+              <a:spcBef>
+                <a:spcPct val="0"/>
+              </a:spcBef>
+              <a:spcAft>
+                <a:spcPct val="0"/>
+              </a:spcAft>
+              <a:defRPr>
+                <a:solidFill>
+                  <a:schemeClr val="tx1"/>
+                </a:solidFill>
+                <a:latin typeface="Arial" panose="020B0604020202020204" pitchFamily="34" charset="0"/>
+              </a:defRPr>
+            </a:lvl8pPr>
+            <a:lvl9pPr marL="3886200" indent="-228600" eaLnBrk="0" fontAlgn="base" hangingPunct="0">
+              <a:spcBef>
+                <a:spcPct val="0"/>
+              </a:spcBef>
+              <a:spcAft>
+                <a:spcPct val="0"/>
+              </a:spcAft>
+              <a:defRPr>
+                <a:solidFill>
+                  <a:schemeClr val="tx1"/>
+                </a:solidFill>
+                <a:latin typeface="Arial" panose="020B0604020202020204" pitchFamily="34" charset="0"/>
+              </a:defRPr>
+            </a:lvl9pPr>
+          </a:lstStyle>
+          <a:p>
+            <a:pPr eaLnBrk="1" fontAlgn="base" hangingPunct="1">
+              <a:spcBef>
+                <a:spcPct val="0"/>
+              </a:spcBef>
+              <a:spcAft>
+                <a:spcPct val="0"/>
+              </a:spcAft>
+            </a:pPr>
+            <a:r>
+              <a:rPr lang="de-DE" altLang="de-DE" b="1">
+                <a:latin typeface="Verdana" panose="020B0604030504040204" pitchFamily="34" charset="0"/>
+              </a:rPr>
+              <a:t>© FH AACHEN </a:t>
+            </a:r>
+            <a:r>
+              <a:rPr lang="de-DE" altLang="de-DE">
+                <a:latin typeface="Verdana" panose="020B0604030504040204" pitchFamily="34" charset="0"/>
+              </a:rPr>
+              <a:t>UNIVERSITY OF APPLIED SCIENCES  |  FACHBEREICH XXXXXX XXXXXXXXXXXXX  |  WWW.FH-AACHEN.DE</a:t>
+            </a:r>
+          </a:p>
+        </p:txBody>
+      </p:sp>
+    </p:spTree>
+  </p:cSld>
+  <p:clrMapOvr>
+    <a:masterClrMapping/>
+  </p:clrMapOvr>
+</p:sld>
+</file>
+
 <file path=ppt/slides/slide2.xml><?xml version="1.0" encoding="utf-8"?>
 <p:sld xmlns:a="http://schemas.openxmlformats.org/drawingml/2006/main" xmlns:r="http://schemas.openxmlformats.org/officeDocument/2006/relationships" xmlns:p="http://schemas.openxmlformats.org/presentationml/2006/main">
   <p:cSld>
@@ -5189,7 +6121,7 @@
             </a:pPr>
             <a:r>
               <a:rPr lang="de-DE" sz="2000" dirty="0"/>
-              <a:t>Logik wird komplett auf den Server ausgelagert um Ressourcen zu sparen</a:t>
+              <a:t>Logik wird komplett auf den Server ausgelagert</a:t>
             </a:r>
             <a:endParaRPr lang="de-DE" dirty="0"/>
           </a:p>
@@ -5350,209 +6282,58 @@
       </p:grpSpPr>
       <p:sp>
         <p:nvSpPr>
-          <p:cNvPr id="11266" name="Titel 5"/>
+          <p:cNvPr id="2" name="Titel 1"/>
           <p:cNvSpPr>
             <a:spLocks noGrp="1"/>
           </p:cNvSpPr>
           <p:nvPr>
-            <p:ph type="ctrTitle"/>
+            <p:ph type="title"/>
           </p:nvPr>
         </p:nvSpPr>
-        <p:spPr>
-          <a:xfrm>
-            <a:off x="287338" y="2016125"/>
-            <a:ext cx="8064500" cy="2519363"/>
-          </a:xfrm>
-        </p:spPr>
+        <p:spPr/>
         <p:txBody>
           <a:bodyPr/>
           <a:lstStyle/>
           <a:p>
             <a:r>
-              <a:rPr lang="de-DE" altLang="de-DE" dirty="0"/>
-              <a:t>FH Aachen </a:t>
-            </a:r>
-            <a:br>
-              <a:rPr lang="de-DE" altLang="de-DE" dirty="0"/>
-            </a:br>
-            <a:r>
-              <a:rPr lang="de-DE" altLang="de-DE" dirty="0"/>
-              <a:t>Fachbereich Elektrotechnik und Informationstechnik</a:t>
-            </a:r>
-            <a:br>
-              <a:rPr lang="de-DE" altLang="de-DE" dirty="0"/>
-            </a:br>
-            <a:br>
-              <a:rPr lang="de-DE" altLang="de-DE" dirty="0"/>
-            </a:br>
-            <a:r>
-              <a:rPr lang="de-DE" altLang="de-DE" dirty="0"/>
-              <a:t>www.fh-aachen.de</a:t>
+              <a:rPr lang="de-DE" dirty="0">
+                <a:solidFill>
+                  <a:schemeClr val="accent1"/>
+                </a:solidFill>
+              </a:rPr>
+              <a:t>Gründe</a:t>
             </a:r>
           </a:p>
         </p:txBody>
       </p:sp>
       <p:sp>
         <p:nvSpPr>
-          <p:cNvPr id="11267" name="Fußzeilenplatzhalter 3"/>
+          <p:cNvPr id="4" name="Inhaltsplatzhalter 3"/>
           <p:cNvSpPr>
             <a:spLocks noGrp="1"/>
           </p:cNvSpPr>
           <p:nvPr>
-            <p:ph type="ftr" sz="quarter" idx="10"/>
+            <p:ph idx="1"/>
           </p:nvPr>
         </p:nvSpPr>
-        <p:spPr bwMode="auto">
-          <a:noFill/>
-          <a:extLst>
-            <a:ext uri="{909E8E84-426E-40DD-AFC4-6F175D3DCCD1}">
-              <a14:hiddenFill xmlns:a14="http://schemas.microsoft.com/office/drawing/2010/main">
-                <a:solidFill>
-                  <a:srgbClr val="FFFFFF"/>
-                </a:solidFill>
-              </a14:hiddenFill>
-            </a:ext>
-            <a:ext uri="{91240B29-F687-4F45-9708-019B960494DF}">
-              <a14:hiddenLine xmlns:a14="http://schemas.microsoft.com/office/drawing/2010/main" w="9525">
-                <a:solidFill>
-                  <a:srgbClr val="000000"/>
-                </a:solidFill>
-                <a:miter lim="800000"/>
-                <a:headEnd/>
-                <a:tailEnd/>
-              </a14:hiddenLine>
-            </a:ext>
-          </a:extLst>
-        </p:spPr>
+        <p:spPr/>
         <p:txBody>
-          <a:bodyPr wrap="square" numCol="1" compatLnSpc="1">
-            <a:prstTxWarp prst="textNoShape">
-              <a:avLst/>
-            </a:prstTxWarp>
-          </a:bodyPr>
-          <a:lstStyle>
-            <a:lvl1pPr eaLnBrk="0" hangingPunct="0">
-              <a:defRPr>
-                <a:solidFill>
-                  <a:schemeClr val="tx1"/>
-                </a:solidFill>
-                <a:latin typeface="Arial" panose="020B0604020202020204" pitchFamily="34" charset="0"/>
-              </a:defRPr>
-            </a:lvl1pPr>
-            <a:lvl2pPr marL="742950" indent="-285750" eaLnBrk="0" hangingPunct="0">
-              <a:defRPr>
-                <a:solidFill>
-                  <a:schemeClr val="tx1"/>
-                </a:solidFill>
-                <a:latin typeface="Arial" panose="020B0604020202020204" pitchFamily="34" charset="0"/>
-              </a:defRPr>
-            </a:lvl2pPr>
-            <a:lvl3pPr marL="1143000" indent="-228600" eaLnBrk="0" hangingPunct="0">
-              <a:defRPr>
-                <a:solidFill>
-                  <a:schemeClr val="tx1"/>
-                </a:solidFill>
-                <a:latin typeface="Arial" panose="020B0604020202020204" pitchFamily="34" charset="0"/>
-              </a:defRPr>
-            </a:lvl3pPr>
-            <a:lvl4pPr marL="1600200" indent="-228600" eaLnBrk="0" hangingPunct="0">
-              <a:defRPr>
-                <a:solidFill>
-                  <a:schemeClr val="tx1"/>
-                </a:solidFill>
-                <a:latin typeface="Arial" panose="020B0604020202020204" pitchFamily="34" charset="0"/>
-              </a:defRPr>
-            </a:lvl4pPr>
-            <a:lvl5pPr marL="2057400" indent="-228600" eaLnBrk="0" hangingPunct="0">
-              <a:defRPr>
-                <a:solidFill>
-                  <a:schemeClr val="tx1"/>
-                </a:solidFill>
-                <a:latin typeface="Arial" panose="020B0604020202020204" pitchFamily="34" charset="0"/>
-              </a:defRPr>
-            </a:lvl5pPr>
-            <a:lvl6pPr marL="2514600" indent="-228600" eaLnBrk="0" fontAlgn="base" hangingPunct="0">
-              <a:spcBef>
-                <a:spcPct val="0"/>
-              </a:spcBef>
-              <a:spcAft>
-                <a:spcPct val="0"/>
-              </a:spcAft>
-              <a:defRPr>
-                <a:solidFill>
-                  <a:schemeClr val="tx1"/>
-                </a:solidFill>
-                <a:latin typeface="Arial" panose="020B0604020202020204" pitchFamily="34" charset="0"/>
-              </a:defRPr>
-            </a:lvl6pPr>
-            <a:lvl7pPr marL="2971800" indent="-228600" eaLnBrk="0" fontAlgn="base" hangingPunct="0">
-              <a:spcBef>
-                <a:spcPct val="0"/>
-              </a:spcBef>
-              <a:spcAft>
-                <a:spcPct val="0"/>
-              </a:spcAft>
-              <a:defRPr>
-                <a:solidFill>
-                  <a:schemeClr val="tx1"/>
-                </a:solidFill>
-                <a:latin typeface="Arial" panose="020B0604020202020204" pitchFamily="34" charset="0"/>
-              </a:defRPr>
-            </a:lvl7pPr>
-            <a:lvl8pPr marL="3429000" indent="-228600" eaLnBrk="0" fontAlgn="base" hangingPunct="0">
-              <a:spcBef>
-                <a:spcPct val="0"/>
-              </a:spcBef>
-              <a:spcAft>
-                <a:spcPct val="0"/>
-              </a:spcAft>
-              <a:defRPr>
-                <a:solidFill>
-                  <a:schemeClr val="tx1"/>
-                </a:solidFill>
-                <a:latin typeface="Arial" panose="020B0604020202020204" pitchFamily="34" charset="0"/>
-              </a:defRPr>
-            </a:lvl8pPr>
-            <a:lvl9pPr marL="3886200" indent="-228600" eaLnBrk="0" fontAlgn="base" hangingPunct="0">
-              <a:spcBef>
-                <a:spcPct val="0"/>
-              </a:spcBef>
-              <a:spcAft>
-                <a:spcPct val="0"/>
-              </a:spcAft>
-              <a:defRPr>
-                <a:solidFill>
-                  <a:schemeClr val="tx1"/>
-                </a:solidFill>
-                <a:latin typeface="Arial" panose="020B0604020202020204" pitchFamily="34" charset="0"/>
-              </a:defRPr>
-            </a:lvl9pPr>
-          </a:lstStyle>
-          <a:p>
-            <a:pPr eaLnBrk="1" fontAlgn="base" hangingPunct="1">
-              <a:spcBef>
-                <a:spcPct val="0"/>
-              </a:spcBef>
-              <a:spcAft>
-                <a:spcPct val="0"/>
-              </a:spcAft>
-            </a:pPr>
-            <a:r>
-              <a:rPr lang="de-DE" altLang="de-DE" b="1">
-                <a:latin typeface="Verdana" panose="020B0604030504040204" pitchFamily="34" charset="0"/>
-              </a:rPr>
-              <a:t>© FH AACHEN </a:t>
-            </a:r>
-            <a:r>
-              <a:rPr lang="de-DE" altLang="de-DE">
-                <a:latin typeface="Verdana" panose="020B0604030504040204" pitchFamily="34" charset="0"/>
-              </a:rPr>
-              <a:t>UNIVERSITY OF APPLIED SCIENCES  |  FACHBEREICH XXXXXX XXXXXXXXXXXXX  |  WWW.FH-AACHEN.DE</a:t>
+          <a:bodyPr/>
+          <a:lstStyle/>
+          <a:p>
+            <a:r>
+              <a:rPr lang="de-DE" dirty="0"/>
+              <a:t>Gründe</a:t>
             </a:r>
           </a:p>
         </p:txBody>
       </p:sp>
     </p:spTree>
+    <p:extLst>
+      <p:ext uri="{BB962C8B-B14F-4D97-AF65-F5344CB8AC3E}">
+        <p14:creationId xmlns:p14="http://schemas.microsoft.com/office/powerpoint/2010/main" val="2444300145"/>
+      </p:ext>
+    </p:extLst>
   </p:cSld>
   <p:clrMapOvr>
     <a:masterClrMapping/>

--- a/Dokumente/Coaching/2016-11-09 Präsentation Technologiemanager.pptx
+++ b/Dokumente/Coaching/2016-11-09 Präsentation Technologiemanager.pptx
@@ -1016,6 +1016,236 @@
 </file>
 
 <file path=ppt/notesSlides/notesSlide2.xml><?xml version="1.0" encoding="utf-8"?>
+<p:notes xmlns:a="http://schemas.openxmlformats.org/drawingml/2006/main" xmlns:r="http://schemas.openxmlformats.org/officeDocument/2006/relationships" xmlns:p="http://schemas.openxmlformats.org/presentationml/2006/main">
+  <p:cSld>
+    <p:spTree>
+      <p:nvGrpSpPr>
+        <p:cNvPr id="1" name=""/>
+        <p:cNvGrpSpPr/>
+        <p:nvPr/>
+      </p:nvGrpSpPr>
+      <p:grpSpPr>
+        <a:xfrm>
+          <a:off x="0" y="0"/>
+          <a:ext cx="0" cy="0"/>
+          <a:chOff x="0" y="0"/>
+          <a:chExt cx="0" cy="0"/>
+        </a:xfrm>
+      </p:grpSpPr>
+      <p:sp>
+        <p:nvSpPr>
+          <p:cNvPr id="2" name="Folienbildplatzhalter 1"/>
+          <p:cNvSpPr>
+            <a:spLocks noGrp="1" noRot="1" noChangeAspect="1"/>
+          </p:cNvSpPr>
+          <p:nvPr>
+            <p:ph type="sldImg"/>
+          </p:nvPr>
+        </p:nvSpPr>
+        <p:spPr>
+          <a:xfrm>
+            <a:off x="917575" y="744538"/>
+            <a:ext cx="4962525" cy="3722687"/>
+          </a:xfrm>
+        </p:spPr>
+      </p:sp>
+      <p:sp>
+        <p:nvSpPr>
+          <p:cNvPr id="3" name="Notizenplatzhalter 2"/>
+          <p:cNvSpPr>
+            <a:spLocks noGrp="1"/>
+          </p:cNvSpPr>
+          <p:nvPr>
+            <p:ph type="body" idx="1"/>
+          </p:nvPr>
+        </p:nvSpPr>
+        <p:spPr/>
+        <p:txBody>
+          <a:bodyPr/>
+          <a:lstStyle/>
+          <a:p>
+            <a:r>
+              <a:rPr lang="de-DE" dirty="0" smtClean="0"/>
+              <a:t>REST ist</a:t>
+            </a:r>
+            <a:r>
+              <a:rPr lang="de-DE" baseline="0" dirty="0" smtClean="0"/>
+              <a:t> ein gängiger Standard. Das Admin </a:t>
+            </a:r>
+            <a:r>
+              <a:rPr lang="de-DE" baseline="0" dirty="0" err="1" smtClean="0"/>
+              <a:t>interface</a:t>
+            </a:r>
+            <a:r>
+              <a:rPr lang="de-DE" baseline="0" dirty="0" smtClean="0"/>
+              <a:t>, welches eine einfache HTML-Form sein soll, kann ganz einfach an den Rest </a:t>
+            </a:r>
+            <a:r>
+              <a:rPr lang="de-DE" baseline="0" smtClean="0"/>
+              <a:t>angebunden werden </a:t>
+            </a:r>
+            <a:r>
+              <a:rPr lang="de-DE" baseline="0" dirty="0" smtClean="0"/>
+              <a:t/>
+            </a:r>
+            <a:br>
+              <a:rPr lang="de-DE" baseline="0" dirty="0" smtClean="0"/>
+            </a:br>
+            <a:r>
+              <a:rPr lang="de-DE" baseline="0" dirty="0" smtClean="0"/>
+              <a:t>JSON ebenfalls</a:t>
+            </a:r>
+          </a:p>
+          <a:p>
+            <a:r>
+              <a:rPr lang="de-DE" baseline="0" dirty="0" smtClean="0"/>
+              <a:t/>
+            </a:r>
+            <a:br>
+              <a:rPr lang="de-DE" baseline="0" dirty="0" smtClean="0"/>
+            </a:br>
+            <a:r>
+              <a:rPr lang="de-DE" baseline="0" dirty="0" err="1" smtClean="0"/>
+              <a:t>SQLite</a:t>
+            </a:r>
+            <a:r>
+              <a:rPr lang="de-DE" baseline="0" dirty="0" smtClean="0"/>
+              <a:t> macht unsere Umgebung portabel. Einfach für Entwickler </a:t>
+            </a:r>
+          </a:p>
+          <a:p>
+            <a:endParaRPr lang="de-DE" dirty="0"/>
+          </a:p>
+        </p:txBody>
+      </p:sp>
+      <p:sp>
+        <p:nvSpPr>
+          <p:cNvPr id="4" name="Foliennummernplatzhalter 3"/>
+          <p:cNvSpPr>
+            <a:spLocks noGrp="1"/>
+          </p:cNvSpPr>
+          <p:nvPr>
+            <p:ph type="sldNum" sz="quarter" idx="10"/>
+          </p:nvPr>
+        </p:nvSpPr>
+        <p:spPr/>
+        <p:txBody>
+          <a:bodyPr/>
+          <a:lstStyle/>
+          <a:p>
+            <a:fld id="{19E14FFE-E01B-461A-8D8E-D91C17AFA971}" type="slidenum">
+              <a:rPr lang="de-DE" altLang="de-DE" smtClean="0"/>
+              <a:pPr/>
+              <a:t>11</a:t>
+            </a:fld>
+            <a:endParaRPr lang="de-DE" altLang="de-DE"/>
+          </a:p>
+        </p:txBody>
+      </p:sp>
+    </p:spTree>
+    <p:extLst>
+      <p:ext uri="{BB962C8B-B14F-4D97-AF65-F5344CB8AC3E}">
+        <p14:creationId xmlns:p14="http://schemas.microsoft.com/office/powerpoint/2010/main" val="3151514341"/>
+      </p:ext>
+    </p:extLst>
+  </p:cSld>
+  <p:clrMapOvr>
+    <a:masterClrMapping/>
+  </p:clrMapOvr>
+</p:notes>
+</file>
+
+<file path=ppt/notesSlides/notesSlide3.xml><?xml version="1.0" encoding="utf-8"?>
+<p:notes xmlns:a="http://schemas.openxmlformats.org/drawingml/2006/main" xmlns:r="http://schemas.openxmlformats.org/officeDocument/2006/relationships" xmlns:p="http://schemas.openxmlformats.org/presentationml/2006/main">
+  <p:cSld>
+    <p:spTree>
+      <p:nvGrpSpPr>
+        <p:cNvPr id="1" name=""/>
+        <p:cNvGrpSpPr/>
+        <p:nvPr/>
+      </p:nvGrpSpPr>
+      <p:grpSpPr>
+        <a:xfrm>
+          <a:off x="0" y="0"/>
+          <a:ext cx="0" cy="0"/>
+          <a:chOff x="0" y="0"/>
+          <a:chExt cx="0" cy="0"/>
+        </a:xfrm>
+      </p:grpSpPr>
+      <p:sp>
+        <p:nvSpPr>
+          <p:cNvPr id="2" name="Folienbildplatzhalter 1"/>
+          <p:cNvSpPr>
+            <a:spLocks noGrp="1" noRot="1" noChangeAspect="1"/>
+          </p:cNvSpPr>
+          <p:nvPr>
+            <p:ph type="sldImg"/>
+          </p:nvPr>
+        </p:nvSpPr>
+        <p:spPr>
+          <a:xfrm>
+            <a:off x="917575" y="744538"/>
+            <a:ext cx="4962525" cy="3722687"/>
+          </a:xfrm>
+        </p:spPr>
+      </p:sp>
+      <p:sp>
+        <p:nvSpPr>
+          <p:cNvPr id="3" name="Notizenplatzhalter 2"/>
+          <p:cNvSpPr>
+            <a:spLocks noGrp="1"/>
+          </p:cNvSpPr>
+          <p:nvPr>
+            <p:ph type="body" idx="1"/>
+          </p:nvPr>
+        </p:nvSpPr>
+        <p:spPr/>
+        <p:txBody>
+          <a:bodyPr/>
+          <a:lstStyle/>
+          <a:p>
+            <a:endParaRPr lang="de-DE" dirty="0"/>
+          </a:p>
+        </p:txBody>
+      </p:sp>
+      <p:sp>
+        <p:nvSpPr>
+          <p:cNvPr id="4" name="Foliennummernplatzhalter 3"/>
+          <p:cNvSpPr>
+            <a:spLocks noGrp="1"/>
+          </p:cNvSpPr>
+          <p:nvPr>
+            <p:ph type="sldNum" sz="quarter" idx="10"/>
+          </p:nvPr>
+        </p:nvSpPr>
+        <p:spPr/>
+        <p:txBody>
+          <a:bodyPr/>
+          <a:lstStyle/>
+          <a:p>
+            <a:fld id="{19E14FFE-E01B-461A-8D8E-D91C17AFA971}" type="slidenum">
+              <a:rPr lang="de-DE" altLang="de-DE" smtClean="0"/>
+              <a:pPr/>
+              <a:t>12</a:t>
+            </a:fld>
+            <a:endParaRPr lang="de-DE" altLang="de-DE"/>
+          </a:p>
+        </p:txBody>
+      </p:sp>
+    </p:spTree>
+    <p:extLst>
+      <p:ext uri="{BB962C8B-B14F-4D97-AF65-F5344CB8AC3E}">
+        <p14:creationId xmlns:p14="http://schemas.microsoft.com/office/powerpoint/2010/main" val="3827549865"/>
+      </p:ext>
+    </p:extLst>
+  </p:cSld>
+  <p:clrMapOvr>
+    <a:masterClrMapping/>
+  </p:clrMapOvr>
+</p:notes>
+</file>
+
+<file path=ppt/notesSlides/notesSlide4.xml><?xml version="1.0" encoding="utf-8"?>
 <p:notes xmlns:a="http://schemas.openxmlformats.org/drawingml/2006/main" xmlns:r="http://schemas.openxmlformats.org/officeDocument/2006/relationships" xmlns:p="http://schemas.openxmlformats.org/presentationml/2006/main">
   <p:cSld>
     <p:spTree>
@@ -4112,6 +4342,10 @@
               <a:rPr lang="de-DE" altLang="de-DE" sz="3200" dirty="0"/>
               <a:t>“ Projekt SWE</a:t>
             </a:r>
+            <a:r>
+              <a:rPr lang="de-DE" altLang="de-DE" dirty="0"/>
+              <a:t/>
+            </a:r>
             <a:br>
               <a:rPr lang="de-DE" altLang="de-DE" dirty="0"/>
             </a:br>
@@ -4446,15 +4680,7 @@
             </a:pPr>
             <a:r>
               <a:rPr lang="de-DE" sz="2000" dirty="0"/>
-              <a:t>Viele </a:t>
-            </a:r>
-            <a:r>
-              <a:rPr lang="de-DE" sz="2000"/>
-              <a:t>frei verfügbaren </a:t>
-            </a:r>
-            <a:r>
-              <a:rPr lang="de-DE" sz="2000" dirty="0"/>
-              <a:t>Bibliotheken für unseren Anwendungsfall</a:t>
+              <a:t>Viele frei verfügbaren Bibliotheken für unseren Anwendungsfall</a:t>
             </a:r>
           </a:p>
           <a:p>
@@ -4588,7 +4814,11 @@
             </a:pPr>
             <a:r>
               <a:rPr lang="de-DE" sz="1800" dirty="0"/>
-              <a:t>Vielen aus anderen Fächern (GPM) bekannt</a:t>
+              <a:t>Vielen aus anderen Fächern (GPM) </a:t>
+            </a:r>
+            <a:r>
+              <a:rPr lang="de-DE" sz="1800" dirty="0" smtClean="0"/>
+              <a:t>bekannt</a:t>
             </a:r>
           </a:p>
           <a:p>
@@ -4596,6 +4826,17 @@
               <a:buFont typeface="Arial" panose="020B0604020202020204" pitchFamily="34" charset="0"/>
               <a:buChar char="•"/>
             </a:pPr>
+            <a:r>
+              <a:rPr lang="de-DE" sz="1800" dirty="0" smtClean="0"/>
+              <a:t>REST-Service</a:t>
+            </a:r>
+            <a:endParaRPr lang="de-DE" sz="1800" dirty="0"/>
+          </a:p>
+          <a:p>
+            <a:pPr marL="285750" indent="-285750">
+              <a:buFont typeface="Arial" panose="020B0604020202020204" pitchFamily="34" charset="0"/>
+              <a:buChar char="•"/>
+            </a:pPr>
             <a:endParaRPr lang="de-DE" sz="1800" dirty="0"/>
           </a:p>
           <a:p>
@@ -4659,8 +4900,31 @@
             </a:pPr>
             <a:r>
               <a:rPr lang="de-DE" sz="1800" dirty="0"/>
-              <a:t>SQL ist bekannt</a:t>
-            </a:r>
+              <a:t>SQL ist </a:t>
+            </a:r>
+            <a:r>
+              <a:rPr lang="de-DE" sz="1800" dirty="0" smtClean="0"/>
+              <a:t>bekannt</a:t>
+            </a:r>
+          </a:p>
+          <a:p>
+            <a:pPr marL="342900" indent="-342900">
+              <a:buFont typeface="Arial" panose="020B0604020202020204" pitchFamily="34" charset="0"/>
+              <a:buChar char="•"/>
+            </a:pPr>
+            <a:r>
+              <a:rPr lang="de-DE" sz="1800" dirty="0" smtClean="0"/>
+              <a:t>Einfache </a:t>
+            </a:r>
+            <a:r>
+              <a:rPr lang="de-DE" sz="1800" dirty="0"/>
+              <a:t>I</a:t>
+            </a:r>
+            <a:r>
+              <a:rPr lang="de-DE" sz="1800" dirty="0" smtClean="0"/>
+              <a:t>mplementierung, da kein dedizierter Server notwendig</a:t>
+            </a:r>
+            <a:endParaRPr lang="de-DE" sz="1800" dirty="0"/>
           </a:p>
           <a:p>
             <a:pPr marL="342900" indent="-342900">
@@ -5066,6 +5330,10 @@
             <a:br>
               <a:rPr lang="de-DE" altLang="de-DE" dirty="0"/>
             </a:br>
+            <a:r>
+              <a:rPr lang="de-DE" altLang="de-DE" dirty="0"/>
+              <a:t/>
+            </a:r>
             <a:br>
               <a:rPr lang="de-DE" altLang="de-DE" dirty="0"/>
             </a:br>
@@ -5608,7 +5876,15 @@
             </a:pPr>
             <a:r>
               <a:rPr lang="de-DE" dirty="0"/>
-              <a:t>Smartphones (auch lauffähig auf Tablets) auf denen Android 4.4 oder höher läuft</a:t>
+              <a:t>Smartphones (auch </a:t>
+            </a:r>
+            <a:r>
+              <a:rPr lang="de-DE" b="1" u="sng" dirty="0"/>
+              <a:t>lauffähig</a:t>
+            </a:r>
+            <a:r>
+              <a:rPr lang="de-DE" dirty="0"/>
+              <a:t> auf Tablets) auf denen Android 4.4 oder höher läuft</a:t>
             </a:r>
           </a:p>
           <a:p>
@@ -5618,8 +5894,17 @@
             </a:pPr>
             <a:r>
               <a:rPr lang="de-DE" dirty="0"/>
-              <a:t>Kamera ist Pflicht</a:t>
-            </a:r>
+              <a:t>Kamera </a:t>
+            </a:r>
+            <a:r>
+              <a:rPr lang="de-DE" dirty="0" smtClean="0"/>
+              <a:t>zwingend </a:t>
+            </a:r>
+            <a:r>
+              <a:rPr lang="de-DE" dirty="0" err="1" smtClean="0"/>
+              <a:t>erfolderlich</a:t>
+            </a:r>
+            <a:endParaRPr lang="de-DE" dirty="0"/>
           </a:p>
           <a:p>
             <a:pPr marL="342900" indent="-342900">
@@ -5640,9 +5925,10 @@
               <a:buChar char="•"/>
             </a:pPr>
             <a:r>
-              <a:rPr lang="de-DE" dirty="0"/>
-              <a:t>Java-fähig</a:t>
-            </a:r>
+              <a:rPr lang="de-DE" dirty="0" smtClean="0"/>
+              <a:t>Java-Applikation</a:t>
+            </a:r>
+            <a:endParaRPr lang="de-DE" dirty="0"/>
           </a:p>
           <a:p>
             <a:pPr marL="342900" indent="-342900">
@@ -5651,8 +5937,13 @@
             </a:pPr>
             <a:r>
               <a:rPr lang="de-DE" dirty="0"/>
-              <a:t>Betriebssystem: Linux-Distribution</a:t>
-            </a:r>
+              <a:t>Betriebssystem: </a:t>
+            </a:r>
+            <a:r>
+              <a:rPr lang="de-DE" dirty="0" smtClean="0"/>
+              <a:t>JAVA-Laufzeitumgebung</a:t>
+            </a:r>
+            <a:endParaRPr lang="de-DE" dirty="0"/>
           </a:p>
         </p:txBody>
       </p:sp>
@@ -5862,26 +6153,15 @@
             </a:r>
             <a:r>
               <a:rPr lang="de-DE" dirty="0"/>
-              <a:t> als Entwicklungsumgebung für Server</a:t>
-            </a:r>
-          </a:p>
-          <a:p>
-            <a:pPr marL="342900" indent="-342900">
-              <a:buFont typeface="Arial" panose="020B0604020202020204" pitchFamily="34" charset="0"/>
-              <a:buChar char="•"/>
-            </a:pPr>
-            <a:r>
-              <a:rPr lang="de-DE" dirty="0" err="1"/>
-              <a:t>Maven</a:t>
-            </a:r>
-            <a:r>
-              <a:rPr lang="de-DE" dirty="0"/>
-              <a:t> als </a:t>
-            </a:r>
-            <a:r>
-              <a:rPr lang="de-DE" dirty="0" err="1"/>
-              <a:t>Buildmanager</a:t>
-            </a:r>
+              <a:t> als Entwicklungsumgebung für </a:t>
+            </a:r>
+            <a:r>
+              <a:rPr lang="de-DE" dirty="0" smtClean="0"/>
+              <a:t>Server</a:t>
+            </a:r>
+            <a:br>
+              <a:rPr lang="de-DE" dirty="0" smtClean="0"/>
+            </a:br>
             <a:endParaRPr lang="de-DE" dirty="0"/>
           </a:p>
           <a:p>
@@ -6044,16 +6324,47 @@
             </a:r>
             <a:r>
               <a:rPr lang="de-DE" sz="2000" dirty="0"/>
-              <a:t> Datenbank</a:t>
-            </a:r>
-          </a:p>
-          <a:p>
-            <a:endParaRPr lang="de-DE" dirty="0"/>
-          </a:p>
-          <a:p>
+              <a:t> </a:t>
+            </a:r>
+            <a:r>
+              <a:rPr lang="de-DE" sz="2000" dirty="0" smtClean="0"/>
+              <a:t>Datenbank</a:t>
+            </a:r>
+          </a:p>
+          <a:p>
+            <a:pPr marL="342900" indent="-342900">
+              <a:buFont typeface="Arial" panose="020B0604020202020204" pitchFamily="34" charset="0"/>
+              <a:buChar char="•"/>
+            </a:pPr>
+            <a:r>
+              <a:rPr lang="de-DE" sz="2000" dirty="0" err="1"/>
+              <a:t>Maven</a:t>
+            </a:r>
+            <a:r>
+              <a:rPr lang="de-DE" sz="2000" dirty="0"/>
+              <a:t> als </a:t>
+            </a:r>
+            <a:r>
+              <a:rPr lang="de-DE" sz="2000" dirty="0" err="1"/>
+              <a:t>Buildmanager</a:t>
+            </a:r>
+            <a:endParaRPr lang="de-DE" sz="2000" dirty="0"/>
+          </a:p>
+          <a:p>
+            <a:pPr marL="342900" indent="-342900">
+              <a:buFont typeface="Arial" panose="020B0604020202020204" pitchFamily="34" charset="0"/>
+              <a:buChar char="•"/>
+            </a:pPr>
+            <a:endParaRPr lang="de-DE" sz="2000" dirty="0"/>
+          </a:p>
+          <a:p>
+            <a:r>
+              <a:rPr lang="de-DE" dirty="0" smtClean="0"/>
+              <a:t>Client</a:t>
+            </a:r>
             <a:r>
               <a:rPr lang="de-DE" dirty="0"/>
-              <a:t>Client:</a:t>
+              <a:t>:</a:t>
             </a:r>
           </a:p>
           <a:p>
@@ -6245,7 +6556,15 @@
             </a:r>
             <a:r>
               <a:rPr lang="de-DE" dirty="0"/>
-              <a:t>: Google GSON</a:t>
+              <a:t>: </a:t>
+            </a:r>
+            <a:r>
+              <a:rPr lang="de-DE" dirty="0" smtClean="0"/>
+              <a:t>Google </a:t>
+            </a:r>
+            <a:r>
+              <a:rPr lang="de-DE" dirty="0"/>
+              <a:t>GSON</a:t>
             </a:r>
           </a:p>
         </p:txBody>

--- a/Dokumente/Coaching/2016-11-09 Präsentation Technologiemanager.pptx
+++ b/Dokumente/Coaching/2016-11-09 Präsentation Technologiemanager.pptx
@@ -1065,51 +1065,43 @@
           <a:lstStyle/>
           <a:p>
             <a:r>
-              <a:rPr lang="de-DE" dirty="0" smtClean="0"/>
+              <a:rPr lang="de-DE" dirty="0"/>
               <a:t>REST ist</a:t>
             </a:r>
             <a:r>
-              <a:rPr lang="de-DE" baseline="0" dirty="0" smtClean="0"/>
+              <a:rPr lang="de-DE" baseline="0" dirty="0"/>
               <a:t> ein gängiger Standard. Das Admin </a:t>
             </a:r>
             <a:r>
-              <a:rPr lang="de-DE" baseline="0" dirty="0" err="1" smtClean="0"/>
+              <a:rPr lang="de-DE" baseline="0" dirty="0" err="1"/>
               <a:t>interface</a:t>
             </a:r>
             <a:r>
-              <a:rPr lang="de-DE" baseline="0" dirty="0" smtClean="0"/>
+              <a:rPr lang="de-DE" baseline="0" dirty="0"/>
               <a:t>, welches eine einfache HTML-Form sein soll, kann ganz einfach an den Rest </a:t>
             </a:r>
             <a:r>
-              <a:rPr lang="de-DE" baseline="0" smtClean="0"/>
+              <a:rPr lang="de-DE" baseline="0"/>
               <a:t>angebunden werden </a:t>
             </a:r>
-            <a:r>
-              <a:rPr lang="de-DE" baseline="0" dirty="0" smtClean="0"/>
-              <a:t/>
-            </a:r>
             <a:br>
-              <a:rPr lang="de-DE" baseline="0" dirty="0" smtClean="0"/>
+              <a:rPr lang="de-DE" baseline="0" dirty="0"/>
             </a:br>
             <a:r>
-              <a:rPr lang="de-DE" baseline="0" dirty="0" smtClean="0"/>
+              <a:rPr lang="de-DE" baseline="0" dirty="0"/>
               <a:t>JSON ebenfalls</a:t>
             </a:r>
           </a:p>
           <a:p>
-            <a:r>
-              <a:rPr lang="de-DE" baseline="0" dirty="0" smtClean="0"/>
-              <a:t/>
-            </a:r>
             <a:br>
-              <a:rPr lang="de-DE" baseline="0" dirty="0" smtClean="0"/>
+              <a:rPr lang="de-DE" baseline="0" dirty="0"/>
             </a:br>
             <a:r>
-              <a:rPr lang="de-DE" baseline="0" dirty="0" err="1" smtClean="0"/>
+              <a:rPr lang="de-DE" baseline="0" dirty="0" err="1"/>
               <a:t>SQLite</a:t>
             </a:r>
             <a:r>
-              <a:rPr lang="de-DE" baseline="0" dirty="0" smtClean="0"/>
+              <a:rPr lang="de-DE" baseline="0" dirty="0"/>
               <a:t> macht unsere Umgebung portabel. Einfach für Entwickler </a:t>
             </a:r>
           </a:p>
@@ -4342,10 +4334,6 @@
               <a:rPr lang="de-DE" altLang="de-DE" sz="3200" dirty="0"/>
               <a:t>“ Projekt SWE</a:t>
             </a:r>
-            <a:r>
-              <a:rPr lang="de-DE" altLang="de-DE" dirty="0"/>
-              <a:t/>
-            </a:r>
             <a:br>
               <a:rPr lang="de-DE" altLang="de-DE" dirty="0"/>
             </a:br>
@@ -4814,11 +4802,7 @@
             </a:pPr>
             <a:r>
               <a:rPr lang="de-DE" sz="1800" dirty="0"/>
-              <a:t>Vielen aus anderen Fächern (GPM) </a:t>
-            </a:r>
-            <a:r>
-              <a:rPr lang="de-DE" sz="1800" dirty="0" smtClean="0"/>
-              <a:t>bekannt</a:t>
+              <a:t>Vielen aus anderen Fächern (GPM) bekannt</a:t>
             </a:r>
           </a:p>
           <a:p>
@@ -4827,10 +4811,9 @@
               <a:buChar char="•"/>
             </a:pPr>
             <a:r>
-              <a:rPr lang="de-DE" sz="1800" dirty="0" smtClean="0"/>
+              <a:rPr lang="de-DE" sz="1800" dirty="0"/>
               <a:t>REST-Service</a:t>
             </a:r>
-            <a:endParaRPr lang="de-DE" sz="1800" dirty="0"/>
           </a:p>
           <a:p>
             <a:pPr marL="285750" indent="-285750">
@@ -4900,11 +4883,7 @@
             </a:pPr>
             <a:r>
               <a:rPr lang="de-DE" sz="1800" dirty="0"/>
-              <a:t>SQL ist </a:t>
-            </a:r>
-            <a:r>
-              <a:rPr lang="de-DE" sz="1800" dirty="0" smtClean="0"/>
-              <a:t>bekannt</a:t>
+              <a:t>SQL ist bekannt</a:t>
             </a:r>
           </a:p>
           <a:p>
@@ -4913,18 +4892,9 @@
               <a:buChar char="•"/>
             </a:pPr>
             <a:r>
-              <a:rPr lang="de-DE" sz="1800" dirty="0" smtClean="0"/>
-              <a:t>Einfache </a:t>
-            </a:r>
-            <a:r>
               <a:rPr lang="de-DE" sz="1800" dirty="0"/>
-              <a:t>I</a:t>
-            </a:r>
-            <a:r>
-              <a:rPr lang="de-DE" sz="1800" dirty="0" smtClean="0"/>
-              <a:t>mplementierung, da kein dedizierter Server notwendig</a:t>
-            </a:r>
-            <a:endParaRPr lang="de-DE" sz="1800" dirty="0"/>
+              <a:t>Einfache Implementierung, da kein dedizierter Server notwendig</a:t>
+            </a:r>
           </a:p>
           <a:p>
             <a:pPr marL="342900" indent="-342900">
@@ -5330,10 +5300,6 @@
             <a:br>
               <a:rPr lang="de-DE" altLang="de-DE" dirty="0"/>
             </a:br>
-            <a:r>
-              <a:rPr lang="de-DE" altLang="de-DE" dirty="0"/>
-              <a:t/>
-            </a:r>
             <a:br>
               <a:rPr lang="de-DE" altLang="de-DE" dirty="0"/>
             </a:br>
@@ -5894,17 +5860,8 @@
             </a:pPr>
             <a:r>
               <a:rPr lang="de-DE" dirty="0"/>
-              <a:t>Kamera </a:t>
-            </a:r>
-            <a:r>
-              <a:rPr lang="de-DE" dirty="0" smtClean="0"/>
-              <a:t>zwingend </a:t>
-            </a:r>
-            <a:r>
-              <a:rPr lang="de-DE" dirty="0" err="1" smtClean="0"/>
-              <a:t>erfolderlich</a:t>
-            </a:r>
-            <a:endParaRPr lang="de-DE" dirty="0"/>
+              <a:t>Kamera zwingend erforderlich</a:t>
+            </a:r>
           </a:p>
           <a:p>
             <a:pPr marL="342900" indent="-342900">
@@ -5925,10 +5882,9 @@
               <a:buChar char="•"/>
             </a:pPr>
             <a:r>
-              <a:rPr lang="de-DE" dirty="0" smtClean="0"/>
+              <a:rPr lang="de-DE" dirty="0"/>
               <a:t>Java-Applikation</a:t>
             </a:r>
-            <a:endParaRPr lang="de-DE" dirty="0"/>
           </a:p>
           <a:p>
             <a:pPr marL="342900" indent="-342900">
@@ -5937,13 +5893,8 @@
             </a:pPr>
             <a:r>
               <a:rPr lang="de-DE" dirty="0"/>
-              <a:t>Betriebssystem: </a:t>
-            </a:r>
-            <a:r>
-              <a:rPr lang="de-DE" dirty="0" smtClean="0"/>
-              <a:t>JAVA-Laufzeitumgebung</a:t>
-            </a:r>
-            <a:endParaRPr lang="de-DE" dirty="0"/>
+              <a:t>Betriebssystem: JAVA-Laufzeitumgebung</a:t>
+            </a:r>
           </a:p>
         </p:txBody>
       </p:sp>
@@ -6153,14 +6104,10 @@
             </a:r>
             <a:r>
               <a:rPr lang="de-DE" dirty="0"/>
-              <a:t> als Entwicklungsumgebung für </a:t>
-            </a:r>
-            <a:r>
-              <a:rPr lang="de-DE" dirty="0" smtClean="0"/>
-              <a:t>Server</a:t>
+              <a:t> als Entwicklungsumgebung für Server</a:t>
             </a:r>
             <a:br>
-              <a:rPr lang="de-DE" dirty="0" smtClean="0"/>
+              <a:rPr lang="de-DE" dirty="0"/>
             </a:br>
             <a:endParaRPr lang="de-DE" dirty="0"/>
           </a:p>
@@ -6324,11 +6271,7 @@
             </a:r>
             <a:r>
               <a:rPr lang="de-DE" sz="2000" dirty="0"/>
-              <a:t> </a:t>
-            </a:r>
-            <a:r>
-              <a:rPr lang="de-DE" sz="2000" dirty="0" smtClean="0"/>
-              <a:t>Datenbank</a:t>
+              <a:t> Datenbank</a:t>
             </a:r>
           </a:p>
           <a:p>
@@ -6359,12 +6302,8 @@
           </a:p>
           <a:p>
             <a:r>
-              <a:rPr lang="de-DE" dirty="0" smtClean="0"/>
-              <a:t>Client</a:t>
-            </a:r>
-            <a:r>
               <a:rPr lang="de-DE" dirty="0"/>
-              <a:t>:</a:t>
+              <a:t>Client:</a:t>
             </a:r>
           </a:p>
           <a:p>
@@ -6556,15 +6495,7 @@
             </a:r>
             <a:r>
               <a:rPr lang="de-DE" dirty="0"/>
-              <a:t>: </a:t>
-            </a:r>
-            <a:r>
-              <a:rPr lang="de-DE" dirty="0" smtClean="0"/>
-              <a:t>Google </a:t>
-            </a:r>
-            <a:r>
-              <a:rPr lang="de-DE" dirty="0"/>
-              <a:t>GSON</a:t>
+              <a:t>: Google GSON</a:t>
             </a:r>
           </a:p>
         </p:txBody>
